--- a/عرض_تقديمي_البرمجة_التغليف.pptx
+++ b/عرض_تقديمي_البرمجة_التغليف.pptx
@@ -134,6 +134,35 @@
 </p:presentation>
 </file>
 
+<file path=ppt/changesInfos/changesInfo1.xml><?xml version="1.0" encoding="utf-8"?>
+<pc:chgInfo xmlns:a="http://schemas.openxmlformats.org/drawingml/2006/main" xmlns:r="http://schemas.openxmlformats.org/officeDocument/2006/relationships" xmlns:ac="http://schemas.microsoft.com/office/drawing/2013/main/command" xmlns:pc="http://schemas.microsoft.com/office/powerpoint/2013/main/command">
+  <pc:docChgLst>
+    <pc:chgData name="Ali Nukhailawi" userId="3ad2500ab36ff184" providerId="LiveId" clId="{35401748-3134-432D-998A-7CE72E50E4EF}"/>
+    <pc:docChg chg="custSel modSld">
+      <pc:chgData name="Ali Nukhailawi" userId="3ad2500ab36ff184" providerId="LiveId" clId="{35401748-3134-432D-998A-7CE72E50E4EF}" dt="2026-01-03T09:55:30.400" v="1" actId="27636"/>
+      <pc:docMkLst>
+        <pc:docMk/>
+      </pc:docMkLst>
+      <pc:sldChg chg="modSp mod">
+        <pc:chgData name="Ali Nukhailawi" userId="3ad2500ab36ff184" providerId="LiveId" clId="{35401748-3134-432D-998A-7CE72E50E4EF}" dt="2026-01-03T09:55:30.400" v="1" actId="27636"/>
+        <pc:sldMkLst>
+          <pc:docMk/>
+          <pc:sldMk cId="3586390374" sldId="256"/>
+        </pc:sldMkLst>
+        <pc:spChg chg="mod">
+          <ac:chgData name="Ali Nukhailawi" userId="3ad2500ab36ff184" providerId="LiveId" clId="{35401748-3134-432D-998A-7CE72E50E4EF}" dt="2026-01-03T09:55:30.400" v="1" actId="27636"/>
+          <ac:spMkLst>
+            <pc:docMk/>
+            <pc:sldMk cId="3586390374" sldId="256"/>
+            <ac:spMk id="4" creationId="{2B932D84-EBF4-A677-7F1D-260C181A40DA}"/>
+          </ac:spMkLst>
+        </pc:spChg>
+      </pc:sldChg>
+    </pc:docChg>
+  </pc:docChgLst>
+</pc:chgInfo>
+</file>
+
 <file path=ppt/notesMasters/notesMaster1.xml><?xml version="1.0" encoding="utf-8"?>
 <p:notesMaster xmlns:a="http://schemas.openxmlformats.org/drawingml/2006/main" xmlns:r="http://schemas.openxmlformats.org/officeDocument/2006/relationships" xmlns:p="http://schemas.openxmlformats.org/presentationml/2006/main">
   <p:cSld>
@@ -216,7 +245,7 @@
           <a:p>
             <a:fld id="{8D96516C-FCAF-458F-A188-B54D9B67BDC0}" type="datetimeFigureOut">
               <a:rPr lang="en-US" smtClean="0"/>
-              <a:t>5/19/2025</a:t>
+              <a:t>1/3/2026</a:t>
             </a:fld>
             <a:endParaRPr lang="en-US" dirty="0"/>
           </a:p>
@@ -1010,7 +1039,7 @@
           <a:p>
             <a:fld id="{605E314A-2889-423B-B66C-751F04B06FB7}" type="datetimeFigureOut">
               <a:rPr lang="en-US" smtClean="0"/>
-              <a:t>5/19/2025</a:t>
+              <a:t>1/3/2026</a:t>
             </a:fld>
             <a:endParaRPr lang="en-US" dirty="0"/>
           </a:p>
@@ -1180,7 +1209,7 @@
           <a:p>
             <a:fld id="{605E314A-2889-423B-B66C-751F04B06FB7}" type="datetimeFigureOut">
               <a:rPr lang="en-US" smtClean="0"/>
-              <a:t>5/19/2025</a:t>
+              <a:t>1/3/2026</a:t>
             </a:fld>
             <a:endParaRPr lang="en-US" dirty="0"/>
           </a:p>
@@ -1360,7 +1389,7 @@
           <a:p>
             <a:fld id="{605E314A-2889-423B-B66C-751F04B06FB7}" type="datetimeFigureOut">
               <a:rPr lang="en-US" smtClean="0"/>
-              <a:t>5/19/2025</a:t>
+              <a:t>1/3/2026</a:t>
             </a:fld>
             <a:endParaRPr lang="en-US" dirty="0"/>
           </a:p>
@@ -1530,7 +1559,7 @@
           <a:p>
             <a:fld id="{605E314A-2889-423B-B66C-751F04B06FB7}" type="datetimeFigureOut">
               <a:rPr lang="en-US" smtClean="0"/>
-              <a:t>5/19/2025</a:t>
+              <a:t>1/3/2026</a:t>
             </a:fld>
             <a:endParaRPr lang="en-US" dirty="0"/>
           </a:p>
@@ -1781,7 +1810,7 @@
           <a:p>
             <a:fld id="{605E314A-2889-423B-B66C-751F04B06FB7}" type="datetimeFigureOut">
               <a:rPr lang="en-US" smtClean="0"/>
-              <a:t>5/19/2025</a:t>
+              <a:t>1/3/2026</a:t>
             </a:fld>
             <a:endParaRPr lang="en-US" dirty="0"/>
           </a:p>
@@ -2013,7 +2042,7 @@
           <a:p>
             <a:fld id="{605E314A-2889-423B-B66C-751F04B06FB7}" type="datetimeFigureOut">
               <a:rPr lang="en-US" smtClean="0"/>
-              <a:t>5/19/2025</a:t>
+              <a:t>1/3/2026</a:t>
             </a:fld>
             <a:endParaRPr lang="en-US" dirty="0"/>
           </a:p>
@@ -2360,7 +2389,7 @@
           <a:p>
             <a:fld id="{605E314A-2889-423B-B66C-751F04B06FB7}" type="datetimeFigureOut">
               <a:rPr lang="en-US" smtClean="0"/>
-              <a:t>5/19/2025</a:t>
+              <a:t>1/3/2026</a:t>
             </a:fld>
             <a:endParaRPr lang="en-US" dirty="0"/>
           </a:p>
@@ -2478,7 +2507,7 @@
           <a:p>
             <a:fld id="{605E314A-2889-423B-B66C-751F04B06FB7}" type="datetimeFigureOut">
               <a:rPr lang="en-US" smtClean="0"/>
-              <a:t>5/19/2025</a:t>
+              <a:t>1/3/2026</a:t>
             </a:fld>
             <a:endParaRPr lang="en-US" dirty="0"/>
           </a:p>
@@ -2596,7 +2625,7 @@
           <a:p>
             <a:fld id="{605E314A-2889-423B-B66C-751F04B06FB7}" type="datetimeFigureOut">
               <a:rPr lang="en-US" smtClean="0"/>
-              <a:t>5/19/2025</a:t>
+              <a:t>1/3/2026</a:t>
             </a:fld>
             <a:endParaRPr lang="en-US" dirty="0"/>
           </a:p>
@@ -2880,7 +2909,7 @@
           <a:p>
             <a:fld id="{605E314A-2889-423B-B66C-751F04B06FB7}" type="datetimeFigureOut">
               <a:rPr lang="en-US" smtClean="0"/>
-              <a:t>5/19/2025</a:t>
+              <a:t>1/3/2026</a:t>
             </a:fld>
             <a:endParaRPr lang="en-US" dirty="0"/>
           </a:p>
@@ -3144,7 +3173,7 @@
           <a:p>
             <a:fld id="{605E314A-2889-423B-B66C-751F04B06FB7}" type="datetimeFigureOut">
               <a:rPr lang="en-US" smtClean="0"/>
-              <a:t>5/19/2025</a:t>
+              <a:t>1/3/2026</a:t>
             </a:fld>
             <a:endParaRPr lang="en-US" dirty="0"/>
           </a:p>
@@ -3358,7 +3387,7 @@
           <a:p>
             <a:fld id="{605E314A-2889-423B-B66C-751F04B06FB7}" type="datetimeFigureOut">
               <a:rPr lang="en-US" smtClean="0"/>
-              <a:t>5/19/2025</a:t>
+              <a:t>1/3/2026</a:t>
             </a:fld>
             <a:endParaRPr lang="en-US" dirty="0"/>
           </a:p>
@@ -3839,7 +3868,7 @@
         </p:spPr>
         <p:txBody>
           <a:bodyPr vert="horz" lIns="91440" tIns="45720" rIns="91440" bIns="45720" rtlCol="0">
-            <a:normAutofit fontScale="92500" lnSpcReduction="20000"/>
+            <a:normAutofit/>
           </a:bodyPr>
           <a:lstStyle>
             <a:lvl1pPr marL="0" indent="0" algn="ctr" defTabSz="914400" rtl="0" eaLnBrk="1" latinLnBrk="0" hangingPunct="1">
@@ -4017,76 +4046,6 @@
                 <a:cs typeface="Arial" panose="020B0604020202020204" pitchFamily="34" charset="0"/>
               </a:rPr>
               <a:t>Ali H. Hassan</a:t>
-            </a:r>
-          </a:p>
-          <a:p>
-            <a:pPr>
-              <a:lnSpc>
-                <a:spcPct val="120000"/>
-              </a:lnSpc>
-            </a:pPr>
-            <a:r>
-              <a:rPr lang="en-US" sz="1800" i="1" dirty="0">
-                <a:latin typeface="Arial" panose="020B0604020202020204" pitchFamily="34" charset="0"/>
-                <a:cs typeface="Arial" panose="020B0604020202020204" pitchFamily="34" charset="0"/>
-              </a:rPr>
-              <a:t>Hussein H.</a:t>
-            </a:r>
-            <a:r>
-              <a:rPr lang="ar-IQ" sz="1800" i="1" dirty="0">
-                <a:latin typeface="Arial" panose="020B0604020202020204" pitchFamily="34" charset="0"/>
-                <a:cs typeface="Arial" panose="020B0604020202020204" pitchFamily="34" charset="0"/>
-              </a:rPr>
-              <a:t> </a:t>
-            </a:r>
-            <a:r>
-              <a:rPr lang="en-US" sz="1800" i="1" dirty="0">
-                <a:latin typeface="Arial" panose="020B0604020202020204" pitchFamily="34" charset="0"/>
-                <a:cs typeface="Arial" panose="020B0604020202020204" pitchFamily="34" charset="0"/>
-              </a:rPr>
-              <a:t>Razzaq</a:t>
-            </a:r>
-          </a:p>
-          <a:p>
-            <a:pPr>
-              <a:lnSpc>
-                <a:spcPct val="120000"/>
-              </a:lnSpc>
-            </a:pPr>
-            <a:r>
-              <a:rPr lang="en-US" sz="1800" i="1" dirty="0">
-                <a:latin typeface="Arial" panose="020B0604020202020204" pitchFamily="34" charset="0"/>
-                <a:cs typeface="Arial" panose="020B0604020202020204" pitchFamily="34" charset="0"/>
-              </a:rPr>
-              <a:t>Reda B. Abd Al-Hussein</a:t>
-            </a:r>
-          </a:p>
-          <a:p>
-            <a:pPr>
-              <a:lnSpc>
-                <a:spcPct val="120000"/>
-              </a:lnSpc>
-            </a:pPr>
-            <a:r>
-              <a:rPr lang="en-US" sz="1800" i="1" dirty="0">
-                <a:latin typeface="Arial" panose="020B0604020202020204" pitchFamily="34" charset="0"/>
-                <a:cs typeface="Arial" panose="020B0604020202020204" pitchFamily="34" charset="0"/>
-              </a:rPr>
-              <a:t>Ayah J. Kazim</a:t>
-            </a:r>
-          </a:p>
-          <a:p>
-            <a:pPr>
-              <a:lnSpc>
-                <a:spcPct val="120000"/>
-              </a:lnSpc>
-            </a:pPr>
-            <a:r>
-              <a:rPr lang="en-US" sz="1800" i="1" dirty="0">
-                <a:latin typeface="Arial" panose="020B0604020202020204" pitchFamily="34" charset="0"/>
-                <a:cs typeface="Arial" panose="020B0604020202020204" pitchFamily="34" charset="0"/>
-              </a:rPr>
-              <a:t>Zainab T. Ali</a:t>
             </a:r>
           </a:p>
         </p:txBody>
